--- a/plots/sumup_26112024.pptx
+++ b/plots/sumup_26112024.pptx
@@ -8,6 +8,9 @@
     <p:sldId id="258" r:id="rId2"/>
     <p:sldId id="260" r:id="rId3"/>
     <p:sldId id="256" r:id="rId4"/>
+    <p:sldId id="261" r:id="rId5"/>
+    <p:sldId id="262" r:id="rId6"/>
+    <p:sldId id="263" r:id="rId7"/>
   </p:sldIdLst>
   <p:sldSz cx="12192000" cy="6858000"/>
   <p:notesSz cx="6858000" cy="9144000"/>
@@ -274,7 +277,7 @@
           <a:p>
             <a:fld id="{D166D71A-964B-4CD1-B1CF-7D9EA4519E9C}" type="datetimeFigureOut">
               <a:rPr lang="en-DE" smtClean="0"/>
-              <a:t>26/11/2024</a:t>
+              <a:t>27/11/2024</a:t>
             </a:fld>
             <a:endParaRPr lang="en-DE"/>
           </a:p>
@@ -474,7 +477,7 @@
           <a:p>
             <a:fld id="{D166D71A-964B-4CD1-B1CF-7D9EA4519E9C}" type="datetimeFigureOut">
               <a:rPr lang="en-DE" smtClean="0"/>
-              <a:t>26/11/2024</a:t>
+              <a:t>27/11/2024</a:t>
             </a:fld>
             <a:endParaRPr lang="en-DE"/>
           </a:p>
@@ -684,7 +687,7 @@
           <a:p>
             <a:fld id="{D166D71A-964B-4CD1-B1CF-7D9EA4519E9C}" type="datetimeFigureOut">
               <a:rPr lang="en-DE" smtClean="0"/>
-              <a:t>26/11/2024</a:t>
+              <a:t>27/11/2024</a:t>
             </a:fld>
             <a:endParaRPr lang="en-DE"/>
           </a:p>
@@ -884,7 +887,7 @@
           <a:p>
             <a:fld id="{D166D71A-964B-4CD1-B1CF-7D9EA4519E9C}" type="datetimeFigureOut">
               <a:rPr lang="en-DE" smtClean="0"/>
-              <a:t>26/11/2024</a:t>
+              <a:t>27/11/2024</a:t>
             </a:fld>
             <a:endParaRPr lang="en-DE"/>
           </a:p>
@@ -1160,7 +1163,7 @@
           <a:p>
             <a:fld id="{D166D71A-964B-4CD1-B1CF-7D9EA4519E9C}" type="datetimeFigureOut">
               <a:rPr lang="en-DE" smtClean="0"/>
-              <a:t>26/11/2024</a:t>
+              <a:t>27/11/2024</a:t>
             </a:fld>
             <a:endParaRPr lang="en-DE"/>
           </a:p>
@@ -1428,7 +1431,7 @@
           <a:p>
             <a:fld id="{D166D71A-964B-4CD1-B1CF-7D9EA4519E9C}" type="datetimeFigureOut">
               <a:rPr lang="en-DE" smtClean="0"/>
-              <a:t>26/11/2024</a:t>
+              <a:t>27/11/2024</a:t>
             </a:fld>
             <a:endParaRPr lang="en-DE"/>
           </a:p>
@@ -1843,7 +1846,7 @@
           <a:p>
             <a:fld id="{D166D71A-964B-4CD1-B1CF-7D9EA4519E9C}" type="datetimeFigureOut">
               <a:rPr lang="en-DE" smtClean="0"/>
-              <a:t>26/11/2024</a:t>
+              <a:t>27/11/2024</a:t>
             </a:fld>
             <a:endParaRPr lang="en-DE"/>
           </a:p>
@@ -1985,7 +1988,7 @@
           <a:p>
             <a:fld id="{D166D71A-964B-4CD1-B1CF-7D9EA4519E9C}" type="datetimeFigureOut">
               <a:rPr lang="en-DE" smtClean="0"/>
-              <a:t>26/11/2024</a:t>
+              <a:t>27/11/2024</a:t>
             </a:fld>
             <a:endParaRPr lang="en-DE"/>
           </a:p>
@@ -2098,7 +2101,7 @@
           <a:p>
             <a:fld id="{D166D71A-964B-4CD1-B1CF-7D9EA4519E9C}" type="datetimeFigureOut">
               <a:rPr lang="en-DE" smtClean="0"/>
-              <a:t>26/11/2024</a:t>
+              <a:t>27/11/2024</a:t>
             </a:fld>
             <a:endParaRPr lang="en-DE"/>
           </a:p>
@@ -2411,7 +2414,7 @@
           <a:p>
             <a:fld id="{D166D71A-964B-4CD1-B1CF-7D9EA4519E9C}" type="datetimeFigureOut">
               <a:rPr lang="en-DE" smtClean="0"/>
-              <a:t>26/11/2024</a:t>
+              <a:t>27/11/2024</a:t>
             </a:fld>
             <a:endParaRPr lang="en-DE"/>
           </a:p>
@@ -2700,7 +2703,7 @@
           <a:p>
             <a:fld id="{D166D71A-964B-4CD1-B1CF-7D9EA4519E9C}" type="datetimeFigureOut">
               <a:rPr lang="en-DE" smtClean="0"/>
-              <a:t>26/11/2024</a:t>
+              <a:t>27/11/2024</a:t>
             </a:fld>
             <a:endParaRPr lang="en-DE"/>
           </a:p>
@@ -2943,7 +2946,7 @@
           <a:p>
             <a:fld id="{D166D71A-964B-4CD1-B1CF-7D9EA4519E9C}" type="datetimeFigureOut">
               <a:rPr lang="en-DE" smtClean="0"/>
-              <a:t>26/11/2024</a:t>
+              <a:t>27/11/2024</a:t>
             </a:fld>
             <a:endParaRPr lang="en-DE"/>
           </a:p>
@@ -6271,7 +6274,7 @@
         <p:spPr>
           <a:xfrm>
             <a:off x="6094708" y="4173781"/>
-            <a:ext cx="0" cy="1036394"/>
+            <a:ext cx="0" cy="723806"/>
           </a:xfrm>
           <a:prstGeom prst="straightConnector1">
             <a:avLst/>
@@ -6315,7 +6318,7 @@
         <p:spPr>
           <a:xfrm>
             <a:off x="8455341" y="1568969"/>
-            <a:ext cx="3040855" cy="553998"/>
+            <a:ext cx="3040855" cy="784830"/>
           </a:xfrm>
           <a:prstGeom prst="rect">
             <a:avLst/>
@@ -6330,7 +6333,7 @@
           <a:p>
             <a:r>
               <a:rPr lang="en-US" sz="1500" dirty="0"/>
-              <a:t>An animal that initiates a lot of chasing will tend to approach less.</a:t>
+              <a:t>An animal that initiates a lot of chasing will tend to approach less or get approached more.</a:t>
             </a:r>
             <a:endParaRPr lang="en-DE" sz="1500" dirty="0"/>
           </a:p>
@@ -6387,7 +6390,7 @@
         </p:nvSpPr>
         <p:spPr>
           <a:xfrm>
-            <a:off x="4670470" y="5393786"/>
+            <a:off x="4661567" y="5097442"/>
             <a:ext cx="3120419" cy="553998"/>
           </a:xfrm>
           <a:prstGeom prst="rect">
@@ -6413,6 +6416,1153 @@
     <p:extLst>
       <p:ext uri="{BB962C8B-B14F-4D97-AF65-F5344CB8AC3E}">
         <p14:creationId xmlns:p14="http://schemas.microsoft.com/office/powerpoint/2010/main" val="85818846"/>
+      </p:ext>
+    </p:extLst>
+  </p:cSld>
+  <p:clrMapOvr>
+    <a:masterClrMapping/>
+  </p:clrMapOvr>
+</p:sld>
+</file>
+
+<file path=ppt/slides/slide4.xml><?xml version="1.0" encoding="utf-8"?>
+<p:sld xmlns:a="http://schemas.openxmlformats.org/drawingml/2006/main" xmlns:r="http://schemas.openxmlformats.org/officeDocument/2006/relationships" xmlns:p="http://schemas.openxmlformats.org/presentationml/2006/main">
+  <p:cSld>
+    <p:spTree>
+      <p:nvGrpSpPr>
+        <p:cNvPr id="1" name=""/>
+        <p:cNvGrpSpPr/>
+        <p:nvPr/>
+      </p:nvGrpSpPr>
+      <p:grpSpPr>
+        <a:xfrm>
+          <a:off x="0" y="0"/>
+          <a:ext cx="0" cy="0"/>
+          <a:chOff x="0" y="0"/>
+          <a:chExt cx="0" cy="0"/>
+        </a:xfrm>
+      </p:grpSpPr>
+      <p:sp>
+        <p:nvSpPr>
+          <p:cNvPr id="2" name="Title 1">
+            <a:extLst>
+              <a:ext uri="{FF2B5EF4-FFF2-40B4-BE49-F238E27FC236}">
+                <a16:creationId xmlns:a16="http://schemas.microsoft.com/office/drawing/2014/main" id="{9925717A-1356-4692-BE75-019556568C96}"/>
+              </a:ext>
+            </a:extLst>
+          </p:cNvPr>
+          <p:cNvSpPr>
+            <a:spLocks noGrp="1"/>
+          </p:cNvSpPr>
+          <p:nvPr>
+            <p:ph type="title"/>
+          </p:nvPr>
+        </p:nvSpPr>
+        <p:spPr/>
+        <p:txBody>
+          <a:bodyPr/>
+          <a:lstStyle/>
+          <a:p>
+            <a:r>
+              <a:rPr lang="en-US" dirty="0"/>
+              <a:t>G1</a:t>
+            </a:r>
+            <a:endParaRPr lang="en-DE" dirty="0"/>
+          </a:p>
+        </p:txBody>
+      </p:sp>
+      <p:pic>
+        <p:nvPicPr>
+          <p:cNvPr id="4" name="Content Placeholder 3">
+            <a:extLst>
+              <a:ext uri="{FF2B5EF4-FFF2-40B4-BE49-F238E27FC236}">
+                <a16:creationId xmlns:a16="http://schemas.microsoft.com/office/drawing/2014/main" id="{6A94C9B3-D714-495A-BF1A-DDDBFDC4B3CC}"/>
+              </a:ext>
+            </a:extLst>
+          </p:cNvPr>
+          <p:cNvPicPr>
+            <a:picLocks noGrp="1" noChangeAspect="1"/>
+          </p:cNvPicPr>
+          <p:nvPr>
+            <p:ph idx="1"/>
+          </p:nvPr>
+        </p:nvPicPr>
+        <p:blipFill rotWithShape="1">
+          <a:blip r:embed="rId2"/>
+          <a:srcRect l="11081" t="7156" r="16339"/>
+          <a:stretch/>
+        </p:blipFill>
+        <p:spPr>
+          <a:xfrm>
+            <a:off x="1066800" y="1987061"/>
+            <a:ext cx="4463562" cy="3778163"/>
+          </a:xfrm>
+          <a:prstGeom prst="rect">
+            <a:avLst/>
+          </a:prstGeom>
+        </p:spPr>
+      </p:pic>
+      <p:pic>
+        <p:nvPicPr>
+          <p:cNvPr id="5" name="Picture 4">
+            <a:extLst>
+              <a:ext uri="{FF2B5EF4-FFF2-40B4-BE49-F238E27FC236}">
+                <a16:creationId xmlns:a16="http://schemas.microsoft.com/office/drawing/2014/main" id="{7E7B2ED6-1513-4A2A-AC81-72833ADA3C94}"/>
+              </a:ext>
+            </a:extLst>
+          </p:cNvPr>
+          <p:cNvPicPr>
+            <a:picLocks noChangeAspect="1"/>
+          </p:cNvPicPr>
+          <p:nvPr/>
+        </p:nvPicPr>
+        <p:blipFill rotWithShape="1">
+          <a:blip r:embed="rId3"/>
+          <a:srcRect t="6876"/>
+          <a:stretch/>
+        </p:blipFill>
+        <p:spPr>
+          <a:xfrm>
+            <a:off x="6386034" y="1987061"/>
+            <a:ext cx="5108858" cy="4022756"/>
+          </a:xfrm>
+          <a:prstGeom prst="rect">
+            <a:avLst/>
+          </a:prstGeom>
+        </p:spPr>
+      </p:pic>
+      <p:sp>
+        <p:nvSpPr>
+          <p:cNvPr id="6" name="TextBox 5">
+            <a:extLst>
+              <a:ext uri="{FF2B5EF4-FFF2-40B4-BE49-F238E27FC236}">
+                <a16:creationId xmlns:a16="http://schemas.microsoft.com/office/drawing/2014/main" id="{8D9ECC09-0B32-427B-AEA0-DE0D852BBFDD}"/>
+              </a:ext>
+            </a:extLst>
+          </p:cNvPr>
+          <p:cNvSpPr txBox="1"/>
+          <p:nvPr/>
+        </p:nvSpPr>
+        <p:spPr>
+          <a:xfrm>
+            <a:off x="8220807" y="1506022"/>
+            <a:ext cx="2162908" cy="369332"/>
+          </a:xfrm>
+          <a:prstGeom prst="rect">
+            <a:avLst/>
+          </a:prstGeom>
+          <a:noFill/>
+        </p:spPr>
+        <p:txBody>
+          <a:bodyPr wrap="square" rtlCol="0">
+            <a:spAutoFit/>
+          </a:bodyPr>
+          <a:lstStyle/>
+          <a:p>
+            <a:r>
+              <a:rPr lang="en-US" dirty="0"/>
+              <a:t>50% </a:t>
+            </a:r>
+            <a:r>
+              <a:rPr lang="en-US" dirty="0" err="1"/>
+              <a:t>thresholded</a:t>
+            </a:r>
+            <a:endParaRPr lang="en-DE" dirty="0"/>
+          </a:p>
+        </p:txBody>
+      </p:sp>
+      <p:sp>
+        <p:nvSpPr>
+          <p:cNvPr id="7" name="TextBox 6">
+            <a:extLst>
+              <a:ext uri="{FF2B5EF4-FFF2-40B4-BE49-F238E27FC236}">
+                <a16:creationId xmlns:a16="http://schemas.microsoft.com/office/drawing/2014/main" id="{7351DA17-8001-45A8-9BA7-982E8B0696BB}"/>
+              </a:ext>
+            </a:extLst>
+          </p:cNvPr>
+          <p:cNvSpPr txBox="1"/>
+          <p:nvPr/>
+        </p:nvSpPr>
+        <p:spPr>
+          <a:xfrm>
+            <a:off x="2582008" y="6057476"/>
+            <a:ext cx="1433146" cy="369332"/>
+          </a:xfrm>
+          <a:prstGeom prst="rect">
+            <a:avLst/>
+          </a:prstGeom>
+          <a:noFill/>
+        </p:spPr>
+        <p:txBody>
+          <a:bodyPr wrap="square" rtlCol="0">
+            <a:spAutoFit/>
+          </a:bodyPr>
+          <a:lstStyle/>
+          <a:p>
+            <a:r>
+              <a:rPr lang="en-US" dirty="0"/>
+              <a:t>Chasing</a:t>
+            </a:r>
+            <a:endParaRPr lang="en-DE" dirty="0"/>
+          </a:p>
+        </p:txBody>
+      </p:sp>
+      <p:sp>
+        <p:nvSpPr>
+          <p:cNvPr id="8" name="TextBox 7">
+            <a:extLst>
+              <a:ext uri="{FF2B5EF4-FFF2-40B4-BE49-F238E27FC236}">
+                <a16:creationId xmlns:a16="http://schemas.microsoft.com/office/drawing/2014/main" id="{28DA282B-EADA-47A9-BAB7-976216D1776E}"/>
+              </a:ext>
+            </a:extLst>
+          </p:cNvPr>
+          <p:cNvSpPr txBox="1"/>
+          <p:nvPr/>
+        </p:nvSpPr>
+        <p:spPr>
+          <a:xfrm>
+            <a:off x="8396654" y="6009817"/>
+            <a:ext cx="2250831" cy="369332"/>
+          </a:xfrm>
+          <a:prstGeom prst="rect">
+            <a:avLst/>
+          </a:prstGeom>
+          <a:noFill/>
+        </p:spPr>
+        <p:txBody>
+          <a:bodyPr wrap="square" rtlCol="0">
+            <a:spAutoFit/>
+          </a:bodyPr>
+          <a:lstStyle/>
+          <a:p>
+            <a:r>
+              <a:rPr lang="en-US" dirty="0"/>
+              <a:t>Approaches</a:t>
+            </a:r>
+            <a:endParaRPr lang="en-DE" dirty="0"/>
+          </a:p>
+        </p:txBody>
+      </p:sp>
+      <p:sp>
+        <p:nvSpPr>
+          <p:cNvPr id="9" name="Oval 8">
+            <a:extLst>
+              <a:ext uri="{FF2B5EF4-FFF2-40B4-BE49-F238E27FC236}">
+                <a16:creationId xmlns:a16="http://schemas.microsoft.com/office/drawing/2014/main" id="{3F303E57-C5EE-4137-9647-6FEBBE419479}"/>
+              </a:ext>
+            </a:extLst>
+          </p:cNvPr>
+          <p:cNvSpPr/>
+          <p:nvPr/>
+        </p:nvSpPr>
+        <p:spPr>
+          <a:xfrm>
+            <a:off x="4607170" y="3692768"/>
+            <a:ext cx="316524" cy="307731"/>
+          </a:xfrm>
+          <a:prstGeom prst="ellipse">
+            <a:avLst/>
+          </a:prstGeom>
+          <a:noFill/>
+          <a:ln w="28575">
+            <a:solidFill>
+              <a:srgbClr val="00B050"/>
+            </a:solidFill>
+          </a:ln>
+        </p:spPr>
+        <p:style>
+          <a:lnRef idx="2">
+            <a:schemeClr val="accent1">
+              <a:shade val="50000"/>
+            </a:schemeClr>
+          </a:lnRef>
+          <a:fillRef idx="1">
+            <a:schemeClr val="accent1"/>
+          </a:fillRef>
+          <a:effectRef idx="0">
+            <a:schemeClr val="accent1"/>
+          </a:effectRef>
+          <a:fontRef idx="minor">
+            <a:schemeClr val="lt1"/>
+          </a:fontRef>
+        </p:style>
+        <p:txBody>
+          <a:bodyPr rtlCol="0" anchor="ctr"/>
+          <a:lstStyle/>
+          <a:p>
+            <a:pPr algn="ctr"/>
+            <a:endParaRPr lang="en-DE"/>
+          </a:p>
+        </p:txBody>
+      </p:sp>
+      <p:sp>
+        <p:nvSpPr>
+          <p:cNvPr id="10" name="Oval 9">
+            <a:extLst>
+              <a:ext uri="{FF2B5EF4-FFF2-40B4-BE49-F238E27FC236}">
+                <a16:creationId xmlns:a16="http://schemas.microsoft.com/office/drawing/2014/main" id="{C495F8C5-6508-48B5-8729-7EFEBDDF0D1A}"/>
+              </a:ext>
+            </a:extLst>
+          </p:cNvPr>
+          <p:cNvSpPr/>
+          <p:nvPr/>
+        </p:nvSpPr>
+        <p:spPr>
+          <a:xfrm>
+            <a:off x="1796562" y="4645268"/>
+            <a:ext cx="316524" cy="307731"/>
+          </a:xfrm>
+          <a:prstGeom prst="ellipse">
+            <a:avLst/>
+          </a:prstGeom>
+          <a:noFill/>
+          <a:ln w="28575">
+            <a:solidFill>
+              <a:srgbClr val="00B050"/>
+            </a:solidFill>
+          </a:ln>
+        </p:spPr>
+        <p:style>
+          <a:lnRef idx="2">
+            <a:schemeClr val="accent1">
+              <a:shade val="50000"/>
+            </a:schemeClr>
+          </a:lnRef>
+          <a:fillRef idx="1">
+            <a:schemeClr val="accent1"/>
+          </a:fillRef>
+          <a:effectRef idx="0">
+            <a:schemeClr val="accent1"/>
+          </a:effectRef>
+          <a:fontRef idx="minor">
+            <a:schemeClr val="lt1"/>
+          </a:fontRef>
+        </p:style>
+        <p:txBody>
+          <a:bodyPr rtlCol="0" anchor="ctr"/>
+          <a:lstStyle/>
+          <a:p>
+            <a:pPr algn="ctr"/>
+            <a:endParaRPr lang="en-DE"/>
+          </a:p>
+        </p:txBody>
+      </p:sp>
+      <p:sp>
+        <p:nvSpPr>
+          <p:cNvPr id="11" name="TextBox 10">
+            <a:extLst>
+              <a:ext uri="{FF2B5EF4-FFF2-40B4-BE49-F238E27FC236}">
+                <a16:creationId xmlns:a16="http://schemas.microsoft.com/office/drawing/2014/main" id="{4309C7A4-FCE4-4987-B744-EC7CF82242D9}"/>
+              </a:ext>
+            </a:extLst>
+          </p:cNvPr>
+          <p:cNvSpPr txBox="1"/>
+          <p:nvPr/>
+        </p:nvSpPr>
+        <p:spPr>
+          <a:xfrm>
+            <a:off x="4923694" y="3244334"/>
+            <a:ext cx="1335622" cy="369332"/>
+          </a:xfrm>
+          <a:prstGeom prst="rect">
+            <a:avLst/>
+          </a:prstGeom>
+          <a:noFill/>
+        </p:spPr>
+        <p:txBody>
+          <a:bodyPr wrap="none" rtlCol="0">
+            <a:spAutoFit/>
+          </a:bodyPr>
+          <a:lstStyle/>
+          <a:p>
+            <a:r>
+              <a:rPr lang="en-US" dirty="0"/>
+              <a:t>Chased a lot</a:t>
+            </a:r>
+            <a:endParaRPr lang="en-DE" dirty="0"/>
+          </a:p>
+        </p:txBody>
+      </p:sp>
+      <p:sp>
+        <p:nvSpPr>
+          <p:cNvPr id="12" name="TextBox 11">
+            <a:extLst>
+              <a:ext uri="{FF2B5EF4-FFF2-40B4-BE49-F238E27FC236}">
+                <a16:creationId xmlns:a16="http://schemas.microsoft.com/office/drawing/2014/main" id="{EE42F25E-DB35-404E-9EEE-5C6E7EE6B587}"/>
+              </a:ext>
+            </a:extLst>
+          </p:cNvPr>
+          <p:cNvSpPr txBox="1"/>
+          <p:nvPr/>
+        </p:nvSpPr>
+        <p:spPr>
+          <a:xfrm>
+            <a:off x="619202" y="5064706"/>
+            <a:ext cx="1707519" cy="369332"/>
+          </a:xfrm>
+          <a:prstGeom prst="rect">
+            <a:avLst/>
+          </a:prstGeom>
+          <a:noFill/>
+        </p:spPr>
+        <p:txBody>
+          <a:bodyPr wrap="none" rtlCol="0">
+            <a:spAutoFit/>
+          </a:bodyPr>
+          <a:lstStyle/>
+          <a:p>
+            <a:r>
+              <a:rPr lang="en-US" dirty="0"/>
+              <a:t>Got chased a lot</a:t>
+            </a:r>
+            <a:endParaRPr lang="en-DE" dirty="0"/>
+          </a:p>
+        </p:txBody>
+      </p:sp>
+    </p:spTree>
+    <p:extLst>
+      <p:ext uri="{BB962C8B-B14F-4D97-AF65-F5344CB8AC3E}">
+        <p14:creationId xmlns:p14="http://schemas.microsoft.com/office/powerpoint/2010/main" val="3775344262"/>
+      </p:ext>
+    </p:extLst>
+  </p:cSld>
+  <p:clrMapOvr>
+    <a:masterClrMapping/>
+  </p:clrMapOvr>
+</p:sld>
+</file>
+
+<file path=ppt/slides/slide5.xml><?xml version="1.0" encoding="utf-8"?>
+<p:sld xmlns:a="http://schemas.openxmlformats.org/drawingml/2006/main" xmlns:r="http://schemas.openxmlformats.org/officeDocument/2006/relationships" xmlns:p="http://schemas.openxmlformats.org/presentationml/2006/main">
+  <p:cSld>
+    <p:spTree>
+      <p:nvGrpSpPr>
+        <p:cNvPr id="1" name=""/>
+        <p:cNvGrpSpPr/>
+        <p:nvPr/>
+      </p:nvGrpSpPr>
+      <p:grpSpPr>
+        <a:xfrm>
+          <a:off x="0" y="0"/>
+          <a:ext cx="0" cy="0"/>
+          <a:chOff x="0" y="0"/>
+          <a:chExt cx="0" cy="0"/>
+        </a:xfrm>
+      </p:grpSpPr>
+      <p:sp>
+        <p:nvSpPr>
+          <p:cNvPr id="2" name="Title 1">
+            <a:extLst>
+              <a:ext uri="{FF2B5EF4-FFF2-40B4-BE49-F238E27FC236}">
+                <a16:creationId xmlns:a16="http://schemas.microsoft.com/office/drawing/2014/main" id="{3B3C06BE-6C23-47B8-87D6-D8F4C1E537CF}"/>
+              </a:ext>
+            </a:extLst>
+          </p:cNvPr>
+          <p:cNvSpPr>
+            <a:spLocks noGrp="1"/>
+          </p:cNvSpPr>
+          <p:nvPr>
+            <p:ph type="title"/>
+          </p:nvPr>
+        </p:nvSpPr>
+        <p:spPr/>
+        <p:txBody>
+          <a:bodyPr/>
+          <a:lstStyle/>
+          <a:p>
+            <a:r>
+              <a:rPr lang="en-US" dirty="0"/>
+              <a:t>G10</a:t>
+            </a:r>
+            <a:endParaRPr lang="en-DE" dirty="0"/>
+          </a:p>
+        </p:txBody>
+      </p:sp>
+      <p:sp>
+        <p:nvSpPr>
+          <p:cNvPr id="3" name="Content Placeholder 2">
+            <a:extLst>
+              <a:ext uri="{FF2B5EF4-FFF2-40B4-BE49-F238E27FC236}">
+                <a16:creationId xmlns:a16="http://schemas.microsoft.com/office/drawing/2014/main" id="{BE1203C9-CC3C-4644-A639-F81C73532877}"/>
+              </a:ext>
+            </a:extLst>
+          </p:cNvPr>
+          <p:cNvSpPr>
+            <a:spLocks noGrp="1"/>
+          </p:cNvSpPr>
+          <p:nvPr>
+            <p:ph idx="1"/>
+          </p:nvPr>
+        </p:nvSpPr>
+        <p:spPr/>
+        <p:txBody>
+          <a:bodyPr/>
+          <a:lstStyle/>
+          <a:p>
+            <a:endParaRPr lang="en-DE" dirty="0"/>
+          </a:p>
+        </p:txBody>
+      </p:sp>
+      <p:pic>
+        <p:nvPicPr>
+          <p:cNvPr id="5" name="Picture 4">
+            <a:extLst>
+              <a:ext uri="{FF2B5EF4-FFF2-40B4-BE49-F238E27FC236}">
+                <a16:creationId xmlns:a16="http://schemas.microsoft.com/office/drawing/2014/main" id="{298A9E4F-9D8E-4656-B80E-7FBE83A9A2E3}"/>
+              </a:ext>
+            </a:extLst>
+          </p:cNvPr>
+          <p:cNvPicPr>
+            <a:picLocks noChangeAspect="1"/>
+          </p:cNvPicPr>
+          <p:nvPr/>
+        </p:nvPicPr>
+        <p:blipFill>
+          <a:blip r:embed="rId2"/>
+          <a:stretch>
+            <a:fillRect/>
+          </a:stretch>
+        </p:blipFill>
+        <p:spPr>
+          <a:xfrm>
+            <a:off x="254974" y="1614613"/>
+            <a:ext cx="5734050" cy="4581525"/>
+          </a:xfrm>
+          <a:prstGeom prst="rect">
+            <a:avLst/>
+          </a:prstGeom>
+        </p:spPr>
+      </p:pic>
+      <p:pic>
+        <p:nvPicPr>
+          <p:cNvPr id="6" name="Picture 5">
+            <a:extLst>
+              <a:ext uri="{FF2B5EF4-FFF2-40B4-BE49-F238E27FC236}">
+                <a16:creationId xmlns:a16="http://schemas.microsoft.com/office/drawing/2014/main" id="{70E748EE-31CA-4B75-8E1D-519221A380E8}"/>
+              </a:ext>
+            </a:extLst>
+          </p:cNvPr>
+          <p:cNvPicPr>
+            <a:picLocks noChangeAspect="1"/>
+          </p:cNvPicPr>
+          <p:nvPr/>
+        </p:nvPicPr>
+        <p:blipFill>
+          <a:blip r:embed="rId3"/>
+          <a:stretch>
+            <a:fillRect/>
+          </a:stretch>
+        </p:blipFill>
+        <p:spPr>
+          <a:xfrm>
+            <a:off x="6087208" y="1684952"/>
+            <a:ext cx="5638800" cy="4581525"/>
+          </a:xfrm>
+          <a:prstGeom prst="rect">
+            <a:avLst/>
+          </a:prstGeom>
+        </p:spPr>
+      </p:pic>
+      <p:sp>
+        <p:nvSpPr>
+          <p:cNvPr id="7" name="TextBox 6">
+            <a:extLst>
+              <a:ext uri="{FF2B5EF4-FFF2-40B4-BE49-F238E27FC236}">
+                <a16:creationId xmlns:a16="http://schemas.microsoft.com/office/drawing/2014/main" id="{78A2B669-7EB4-40B6-A0D9-F105526EA5FF}"/>
+              </a:ext>
+            </a:extLst>
+          </p:cNvPr>
+          <p:cNvSpPr txBox="1"/>
+          <p:nvPr/>
+        </p:nvSpPr>
+        <p:spPr>
+          <a:xfrm>
+            <a:off x="4519246" y="1099038"/>
+            <a:ext cx="2224454" cy="369332"/>
+          </a:xfrm>
+          <a:prstGeom prst="rect">
+            <a:avLst/>
+          </a:prstGeom>
+          <a:noFill/>
+        </p:spPr>
+        <p:txBody>
+          <a:bodyPr wrap="square" rtlCol="0">
+            <a:spAutoFit/>
+          </a:bodyPr>
+          <a:lstStyle/>
+          <a:p>
+            <a:r>
+              <a:rPr lang="en-US" dirty="0" err="1"/>
+              <a:t>Thresholded</a:t>
+            </a:r>
+            <a:r>
+              <a:rPr lang="en-US" dirty="0"/>
+              <a:t> 30%</a:t>
+            </a:r>
+            <a:endParaRPr lang="en-DE" dirty="0"/>
+          </a:p>
+        </p:txBody>
+      </p:sp>
+      <p:sp>
+        <p:nvSpPr>
+          <p:cNvPr id="8" name="TextBox 7">
+            <a:extLst>
+              <a:ext uri="{FF2B5EF4-FFF2-40B4-BE49-F238E27FC236}">
+                <a16:creationId xmlns:a16="http://schemas.microsoft.com/office/drawing/2014/main" id="{0D715750-E37E-4444-86A2-EE9C323675ED}"/>
+              </a:ext>
+            </a:extLst>
+          </p:cNvPr>
+          <p:cNvSpPr txBox="1"/>
+          <p:nvPr/>
+        </p:nvSpPr>
+        <p:spPr>
+          <a:xfrm>
+            <a:off x="2582008" y="6347614"/>
+            <a:ext cx="1433146" cy="369332"/>
+          </a:xfrm>
+          <a:prstGeom prst="rect">
+            <a:avLst/>
+          </a:prstGeom>
+          <a:noFill/>
+        </p:spPr>
+        <p:txBody>
+          <a:bodyPr wrap="square" rtlCol="0">
+            <a:spAutoFit/>
+          </a:bodyPr>
+          <a:lstStyle/>
+          <a:p>
+            <a:r>
+              <a:rPr lang="en-US" dirty="0"/>
+              <a:t>Chasing</a:t>
+            </a:r>
+            <a:endParaRPr lang="en-DE" dirty="0"/>
+          </a:p>
+        </p:txBody>
+      </p:sp>
+      <p:sp>
+        <p:nvSpPr>
+          <p:cNvPr id="9" name="TextBox 8">
+            <a:extLst>
+              <a:ext uri="{FF2B5EF4-FFF2-40B4-BE49-F238E27FC236}">
+                <a16:creationId xmlns:a16="http://schemas.microsoft.com/office/drawing/2014/main" id="{7F62958F-8989-41BE-8E69-80EAF633C1F6}"/>
+              </a:ext>
+            </a:extLst>
+          </p:cNvPr>
+          <p:cNvSpPr txBox="1"/>
+          <p:nvPr/>
+        </p:nvSpPr>
+        <p:spPr>
+          <a:xfrm>
+            <a:off x="8396654" y="6299955"/>
+            <a:ext cx="2250831" cy="369332"/>
+          </a:xfrm>
+          <a:prstGeom prst="rect">
+            <a:avLst/>
+          </a:prstGeom>
+          <a:noFill/>
+        </p:spPr>
+        <p:txBody>
+          <a:bodyPr wrap="square" rtlCol="0">
+            <a:spAutoFit/>
+          </a:bodyPr>
+          <a:lstStyle/>
+          <a:p>
+            <a:r>
+              <a:rPr lang="en-US" dirty="0"/>
+              <a:t>Approaches</a:t>
+            </a:r>
+            <a:endParaRPr lang="en-DE" dirty="0"/>
+          </a:p>
+        </p:txBody>
+      </p:sp>
+      <p:sp>
+        <p:nvSpPr>
+          <p:cNvPr id="10" name="Oval 9">
+            <a:extLst>
+              <a:ext uri="{FF2B5EF4-FFF2-40B4-BE49-F238E27FC236}">
+                <a16:creationId xmlns:a16="http://schemas.microsoft.com/office/drawing/2014/main" id="{9E7D674A-FADE-4C67-86AB-DDD9485651AE}"/>
+              </a:ext>
+            </a:extLst>
+          </p:cNvPr>
+          <p:cNvSpPr/>
+          <p:nvPr/>
+        </p:nvSpPr>
+        <p:spPr>
+          <a:xfrm>
+            <a:off x="2265484" y="5724954"/>
+            <a:ext cx="316524" cy="307731"/>
+          </a:xfrm>
+          <a:prstGeom prst="ellipse">
+            <a:avLst/>
+          </a:prstGeom>
+          <a:noFill/>
+          <a:ln w="28575">
+            <a:solidFill>
+              <a:srgbClr val="00B050"/>
+            </a:solidFill>
+          </a:ln>
+        </p:spPr>
+        <p:style>
+          <a:lnRef idx="2">
+            <a:schemeClr val="accent1">
+              <a:shade val="50000"/>
+            </a:schemeClr>
+          </a:lnRef>
+          <a:fillRef idx="1">
+            <a:schemeClr val="accent1"/>
+          </a:fillRef>
+          <a:effectRef idx="0">
+            <a:schemeClr val="accent1"/>
+          </a:effectRef>
+          <a:fontRef idx="minor">
+            <a:schemeClr val="lt1"/>
+          </a:fontRef>
+        </p:style>
+        <p:txBody>
+          <a:bodyPr rtlCol="0" anchor="ctr"/>
+          <a:lstStyle/>
+          <a:p>
+            <a:pPr algn="ctr"/>
+            <a:endParaRPr lang="en-DE"/>
+          </a:p>
+        </p:txBody>
+      </p:sp>
+      <p:sp>
+        <p:nvSpPr>
+          <p:cNvPr id="12" name="Oval 11">
+            <a:extLst>
+              <a:ext uri="{FF2B5EF4-FFF2-40B4-BE49-F238E27FC236}">
+                <a16:creationId xmlns:a16="http://schemas.microsoft.com/office/drawing/2014/main" id="{BD34366D-226D-4AD0-9F20-54EB351E1A52}"/>
+              </a:ext>
+            </a:extLst>
+          </p:cNvPr>
+          <p:cNvSpPr/>
+          <p:nvPr/>
+        </p:nvSpPr>
+        <p:spPr>
+          <a:xfrm>
+            <a:off x="3472962" y="5724953"/>
+            <a:ext cx="316524" cy="307731"/>
+          </a:xfrm>
+          <a:prstGeom prst="ellipse">
+            <a:avLst/>
+          </a:prstGeom>
+          <a:noFill/>
+          <a:ln w="28575">
+            <a:solidFill>
+              <a:srgbClr val="00B050"/>
+            </a:solidFill>
+          </a:ln>
+        </p:spPr>
+        <p:style>
+          <a:lnRef idx="2">
+            <a:schemeClr val="accent1">
+              <a:shade val="50000"/>
+            </a:schemeClr>
+          </a:lnRef>
+          <a:fillRef idx="1">
+            <a:schemeClr val="accent1"/>
+          </a:fillRef>
+          <a:effectRef idx="0">
+            <a:schemeClr val="accent1"/>
+          </a:effectRef>
+          <a:fontRef idx="minor">
+            <a:schemeClr val="lt1"/>
+          </a:fontRef>
+        </p:style>
+        <p:txBody>
+          <a:bodyPr rtlCol="0" anchor="ctr"/>
+          <a:lstStyle/>
+          <a:p>
+            <a:pPr algn="ctr"/>
+            <a:endParaRPr lang="en-DE"/>
+          </a:p>
+        </p:txBody>
+      </p:sp>
+      <p:sp>
+        <p:nvSpPr>
+          <p:cNvPr id="4" name="TextBox 3">
+            <a:extLst>
+              <a:ext uri="{FF2B5EF4-FFF2-40B4-BE49-F238E27FC236}">
+                <a16:creationId xmlns:a16="http://schemas.microsoft.com/office/drawing/2014/main" id="{8FEEC1B5-9895-4A03-B861-255C4A662D1C}"/>
+              </a:ext>
+            </a:extLst>
+          </p:cNvPr>
+          <p:cNvSpPr txBox="1"/>
+          <p:nvPr/>
+        </p:nvSpPr>
+        <p:spPr>
+          <a:xfrm>
+            <a:off x="3894992" y="5969977"/>
+            <a:ext cx="1433146" cy="523220"/>
+          </a:xfrm>
+          <a:prstGeom prst="rect">
+            <a:avLst/>
+          </a:prstGeom>
+          <a:noFill/>
+        </p:spPr>
+        <p:txBody>
+          <a:bodyPr wrap="square" rtlCol="0">
+            <a:spAutoFit/>
+          </a:bodyPr>
+          <a:lstStyle/>
+          <a:p>
+            <a:r>
+              <a:rPr lang="en-US" sz="1400" dirty="0"/>
+              <a:t>Chased many, but not much</a:t>
+            </a:r>
+            <a:endParaRPr lang="en-DE" sz="1400" dirty="0"/>
+          </a:p>
+        </p:txBody>
+      </p:sp>
+      <p:sp>
+        <p:nvSpPr>
+          <p:cNvPr id="14" name="TextBox 13">
+            <a:extLst>
+              <a:ext uri="{FF2B5EF4-FFF2-40B4-BE49-F238E27FC236}">
+                <a16:creationId xmlns:a16="http://schemas.microsoft.com/office/drawing/2014/main" id="{ED67D561-945E-4326-B424-94CE9B524CC5}"/>
+              </a:ext>
+            </a:extLst>
+          </p:cNvPr>
+          <p:cNvSpPr txBox="1"/>
+          <p:nvPr/>
+        </p:nvSpPr>
+        <p:spPr>
+          <a:xfrm>
+            <a:off x="9828338" y="5910751"/>
+            <a:ext cx="1724754" cy="523220"/>
+          </a:xfrm>
+          <a:prstGeom prst="rect">
+            <a:avLst/>
+          </a:prstGeom>
+          <a:noFill/>
+        </p:spPr>
+        <p:txBody>
+          <a:bodyPr wrap="square" rtlCol="0">
+            <a:spAutoFit/>
+          </a:bodyPr>
+          <a:lstStyle/>
+          <a:p>
+            <a:r>
+              <a:rPr lang="en-US" sz="1400" dirty="0"/>
+              <a:t>Approached many, a lot</a:t>
+            </a:r>
+            <a:endParaRPr lang="en-DE" sz="1400" dirty="0"/>
+          </a:p>
+        </p:txBody>
+      </p:sp>
+      <p:sp>
+        <p:nvSpPr>
+          <p:cNvPr id="15" name="Oval 14">
+            <a:extLst>
+              <a:ext uri="{FF2B5EF4-FFF2-40B4-BE49-F238E27FC236}">
+                <a16:creationId xmlns:a16="http://schemas.microsoft.com/office/drawing/2014/main" id="{D122524B-0CB0-4B55-A125-989E9D823CAB}"/>
+              </a:ext>
+            </a:extLst>
+          </p:cNvPr>
+          <p:cNvSpPr/>
+          <p:nvPr/>
+        </p:nvSpPr>
+        <p:spPr>
+          <a:xfrm>
+            <a:off x="9312518" y="5772085"/>
+            <a:ext cx="316524" cy="307731"/>
+          </a:xfrm>
+          <a:prstGeom prst="ellipse">
+            <a:avLst/>
+          </a:prstGeom>
+          <a:noFill/>
+          <a:ln w="28575">
+            <a:solidFill>
+              <a:srgbClr val="00B050"/>
+            </a:solidFill>
+          </a:ln>
+        </p:spPr>
+        <p:style>
+          <a:lnRef idx="2">
+            <a:schemeClr val="accent1">
+              <a:shade val="50000"/>
+            </a:schemeClr>
+          </a:lnRef>
+          <a:fillRef idx="1">
+            <a:schemeClr val="accent1"/>
+          </a:fillRef>
+          <a:effectRef idx="0">
+            <a:schemeClr val="accent1"/>
+          </a:effectRef>
+          <a:fontRef idx="minor">
+            <a:schemeClr val="lt1"/>
+          </a:fontRef>
+        </p:style>
+        <p:txBody>
+          <a:bodyPr rtlCol="0" anchor="ctr"/>
+          <a:lstStyle/>
+          <a:p>
+            <a:pPr algn="ctr"/>
+            <a:endParaRPr lang="en-DE"/>
+          </a:p>
+        </p:txBody>
+      </p:sp>
+    </p:spTree>
+    <p:extLst>
+      <p:ext uri="{BB962C8B-B14F-4D97-AF65-F5344CB8AC3E}">
+        <p14:creationId xmlns:p14="http://schemas.microsoft.com/office/powerpoint/2010/main" val="3391528195"/>
+      </p:ext>
+    </p:extLst>
+  </p:cSld>
+  <p:clrMapOvr>
+    <a:masterClrMapping/>
+  </p:clrMapOvr>
+</p:sld>
+</file>
+
+<file path=ppt/slides/slide6.xml><?xml version="1.0" encoding="utf-8"?>
+<p:sld xmlns:a="http://schemas.openxmlformats.org/drawingml/2006/main" xmlns:r="http://schemas.openxmlformats.org/officeDocument/2006/relationships" xmlns:p="http://schemas.openxmlformats.org/presentationml/2006/main" show="0">
+  <p:cSld>
+    <p:spTree>
+      <p:nvGrpSpPr>
+        <p:cNvPr id="1" name=""/>
+        <p:cNvGrpSpPr/>
+        <p:nvPr/>
+      </p:nvGrpSpPr>
+      <p:grpSpPr>
+        <a:xfrm>
+          <a:off x="0" y="0"/>
+          <a:ext cx="0" cy="0"/>
+          <a:chOff x="0" y="0"/>
+          <a:chExt cx="0" cy="0"/>
+        </a:xfrm>
+      </p:grpSpPr>
+      <p:sp>
+        <p:nvSpPr>
+          <p:cNvPr id="2" name="Title 1">
+            <a:extLst>
+              <a:ext uri="{FF2B5EF4-FFF2-40B4-BE49-F238E27FC236}">
+                <a16:creationId xmlns:a16="http://schemas.microsoft.com/office/drawing/2014/main" id="{4C17D374-C582-48E0-AC16-C88948402E99}"/>
+              </a:ext>
+            </a:extLst>
+          </p:cNvPr>
+          <p:cNvSpPr>
+            <a:spLocks noGrp="1"/>
+          </p:cNvSpPr>
+          <p:nvPr>
+            <p:ph type="title"/>
+          </p:nvPr>
+        </p:nvSpPr>
+        <p:spPr/>
+        <p:txBody>
+          <a:bodyPr/>
+          <a:lstStyle/>
+          <a:p>
+            <a:r>
+              <a:rPr lang="en-US" dirty="0"/>
+              <a:t>Not a 1 to 1 correlation: G7</a:t>
+            </a:r>
+            <a:endParaRPr lang="en-DE" dirty="0"/>
+          </a:p>
+        </p:txBody>
+      </p:sp>
+      <p:sp>
+        <p:nvSpPr>
+          <p:cNvPr id="3" name="Content Placeholder 2">
+            <a:extLst>
+              <a:ext uri="{FF2B5EF4-FFF2-40B4-BE49-F238E27FC236}">
+                <a16:creationId xmlns:a16="http://schemas.microsoft.com/office/drawing/2014/main" id="{FB25F5CC-AABA-479D-A7A4-749E10D81519}"/>
+              </a:ext>
+            </a:extLst>
+          </p:cNvPr>
+          <p:cNvSpPr>
+            <a:spLocks noGrp="1"/>
+          </p:cNvSpPr>
+          <p:nvPr>
+            <p:ph idx="1"/>
+          </p:nvPr>
+        </p:nvSpPr>
+        <p:spPr/>
+        <p:txBody>
+          <a:bodyPr/>
+          <a:lstStyle/>
+          <a:p>
+            <a:endParaRPr lang="en-DE"/>
+          </a:p>
+        </p:txBody>
+      </p:sp>
+      <p:pic>
+        <p:nvPicPr>
+          <p:cNvPr id="4" name="Picture 3">
+            <a:extLst>
+              <a:ext uri="{FF2B5EF4-FFF2-40B4-BE49-F238E27FC236}">
+                <a16:creationId xmlns:a16="http://schemas.microsoft.com/office/drawing/2014/main" id="{2CD03928-838B-4A72-8B81-4E3BDB761E43}"/>
+              </a:ext>
+            </a:extLst>
+          </p:cNvPr>
+          <p:cNvPicPr>
+            <a:picLocks noChangeAspect="1"/>
+          </p:cNvPicPr>
+          <p:nvPr/>
+        </p:nvPicPr>
+        <p:blipFill>
+          <a:blip r:embed="rId2"/>
+          <a:stretch>
+            <a:fillRect/>
+          </a:stretch>
+        </p:blipFill>
+        <p:spPr>
+          <a:xfrm>
+            <a:off x="6026394" y="1772873"/>
+            <a:ext cx="5467350" cy="4514850"/>
+          </a:xfrm>
+          <a:prstGeom prst="rect">
+            <a:avLst/>
+          </a:prstGeom>
+        </p:spPr>
+      </p:pic>
+      <p:pic>
+        <p:nvPicPr>
+          <p:cNvPr id="5" name="Picture 4">
+            <a:extLst>
+              <a:ext uri="{FF2B5EF4-FFF2-40B4-BE49-F238E27FC236}">
+                <a16:creationId xmlns:a16="http://schemas.microsoft.com/office/drawing/2014/main" id="{B459BAB8-F2C0-4287-A7C2-76A611D02A2B}"/>
+              </a:ext>
+            </a:extLst>
+          </p:cNvPr>
+          <p:cNvPicPr>
+            <a:picLocks noChangeAspect="1"/>
+          </p:cNvPicPr>
+          <p:nvPr/>
+        </p:nvPicPr>
+        <p:blipFill>
+          <a:blip r:embed="rId3"/>
+          <a:stretch>
+            <a:fillRect/>
+          </a:stretch>
+        </p:blipFill>
+        <p:spPr>
+          <a:xfrm>
+            <a:off x="654294" y="1728911"/>
+            <a:ext cx="5372100" cy="4581525"/>
+          </a:xfrm>
+          <a:prstGeom prst="rect">
+            <a:avLst/>
+          </a:prstGeom>
+        </p:spPr>
+      </p:pic>
+      <p:sp>
+        <p:nvSpPr>
+          <p:cNvPr id="6" name="TextBox 5">
+            <a:extLst>
+              <a:ext uri="{FF2B5EF4-FFF2-40B4-BE49-F238E27FC236}">
+                <a16:creationId xmlns:a16="http://schemas.microsoft.com/office/drawing/2014/main" id="{2289048A-F1D9-4DBF-922F-C87A3A08FAD0}"/>
+              </a:ext>
+            </a:extLst>
+          </p:cNvPr>
+          <p:cNvSpPr txBox="1"/>
+          <p:nvPr/>
+        </p:nvSpPr>
+        <p:spPr>
+          <a:xfrm>
+            <a:off x="5122044" y="1403112"/>
+            <a:ext cx="1808700" cy="369332"/>
+          </a:xfrm>
+          <a:prstGeom prst="rect">
+            <a:avLst/>
+          </a:prstGeom>
+          <a:noFill/>
+        </p:spPr>
+        <p:txBody>
+          <a:bodyPr wrap="none" rtlCol="0">
+            <a:spAutoFit/>
+          </a:bodyPr>
+          <a:lstStyle/>
+          <a:p>
+            <a:r>
+              <a:rPr lang="en-US" dirty="0" err="1"/>
+              <a:t>Thresholded</a:t>
+            </a:r>
+            <a:r>
+              <a:rPr lang="en-US" dirty="0"/>
+              <a:t> 50%</a:t>
+            </a:r>
+            <a:endParaRPr lang="en-DE" dirty="0"/>
+          </a:p>
+        </p:txBody>
+      </p:sp>
+      <p:sp>
+        <p:nvSpPr>
+          <p:cNvPr id="7" name="TextBox 6">
+            <a:extLst>
+              <a:ext uri="{FF2B5EF4-FFF2-40B4-BE49-F238E27FC236}">
+                <a16:creationId xmlns:a16="http://schemas.microsoft.com/office/drawing/2014/main" id="{DC93FF6A-8F8C-44A7-A981-D55B56BF1585}"/>
+              </a:ext>
+            </a:extLst>
+          </p:cNvPr>
+          <p:cNvSpPr txBox="1"/>
+          <p:nvPr/>
+        </p:nvSpPr>
+        <p:spPr>
+          <a:xfrm>
+            <a:off x="2582008" y="6242110"/>
+            <a:ext cx="1433146" cy="369332"/>
+          </a:xfrm>
+          <a:prstGeom prst="rect">
+            <a:avLst/>
+          </a:prstGeom>
+          <a:noFill/>
+        </p:spPr>
+        <p:txBody>
+          <a:bodyPr wrap="square" rtlCol="0">
+            <a:spAutoFit/>
+          </a:bodyPr>
+          <a:lstStyle/>
+          <a:p>
+            <a:r>
+              <a:rPr lang="en-US" dirty="0"/>
+              <a:t>Chasing</a:t>
+            </a:r>
+            <a:endParaRPr lang="en-DE" dirty="0"/>
+          </a:p>
+        </p:txBody>
+      </p:sp>
+      <p:sp>
+        <p:nvSpPr>
+          <p:cNvPr id="8" name="TextBox 7">
+            <a:extLst>
+              <a:ext uri="{FF2B5EF4-FFF2-40B4-BE49-F238E27FC236}">
+                <a16:creationId xmlns:a16="http://schemas.microsoft.com/office/drawing/2014/main" id="{E1075AFA-C8C2-47C7-BBB6-0357657EDC6B}"/>
+              </a:ext>
+            </a:extLst>
+          </p:cNvPr>
+          <p:cNvSpPr txBox="1"/>
+          <p:nvPr/>
+        </p:nvSpPr>
+        <p:spPr>
+          <a:xfrm>
+            <a:off x="8396654" y="6194451"/>
+            <a:ext cx="2250831" cy="369332"/>
+          </a:xfrm>
+          <a:prstGeom prst="rect">
+            <a:avLst/>
+          </a:prstGeom>
+          <a:noFill/>
+        </p:spPr>
+        <p:txBody>
+          <a:bodyPr wrap="square" rtlCol="0">
+            <a:spAutoFit/>
+          </a:bodyPr>
+          <a:lstStyle/>
+          <a:p>
+            <a:r>
+              <a:rPr lang="en-US" dirty="0"/>
+              <a:t>Approaches</a:t>
+            </a:r>
+            <a:endParaRPr lang="en-DE" dirty="0"/>
+          </a:p>
+        </p:txBody>
+      </p:sp>
+    </p:spTree>
+    <p:extLst>
+      <p:ext uri="{BB962C8B-B14F-4D97-AF65-F5344CB8AC3E}">
+        <p14:creationId xmlns:p14="http://schemas.microsoft.com/office/powerpoint/2010/main" val="3134743198"/>
       </p:ext>
     </p:extLst>
   </p:cSld>
